--- a/ppts/Week 1 - Day 2.pptx
+++ b/ppts/Week 1 - Day 2.pptx
@@ -5,24 +5,25 @@
     <p:sldMasterId id="2147483648" r:id="rId1"/>
   </p:sldMasterIdLst>
   <p:notesMasterIdLst>
-    <p:notesMasterId r:id="rId17"/>
+    <p:notesMasterId r:id="rId18"/>
   </p:notesMasterIdLst>
   <p:sldIdLst>
     <p:sldId id="257" r:id="rId2"/>
     <p:sldId id="256" r:id="rId3"/>
     <p:sldId id="258" r:id="rId4"/>
-    <p:sldId id="259" r:id="rId5"/>
-    <p:sldId id="260" r:id="rId6"/>
-    <p:sldId id="261" r:id="rId7"/>
-    <p:sldId id="262" r:id="rId8"/>
-    <p:sldId id="263" r:id="rId9"/>
-    <p:sldId id="264" r:id="rId10"/>
-    <p:sldId id="265" r:id="rId11"/>
-    <p:sldId id="266" r:id="rId12"/>
-    <p:sldId id="267" r:id="rId13"/>
-    <p:sldId id="268" r:id="rId14"/>
-    <p:sldId id="269" r:id="rId15"/>
-    <p:sldId id="270" r:id="rId16"/>
+    <p:sldId id="271" r:id="rId5"/>
+    <p:sldId id="259" r:id="rId6"/>
+    <p:sldId id="260" r:id="rId7"/>
+    <p:sldId id="261" r:id="rId8"/>
+    <p:sldId id="262" r:id="rId9"/>
+    <p:sldId id="263" r:id="rId10"/>
+    <p:sldId id="264" r:id="rId11"/>
+    <p:sldId id="265" r:id="rId12"/>
+    <p:sldId id="266" r:id="rId13"/>
+    <p:sldId id="267" r:id="rId14"/>
+    <p:sldId id="268" r:id="rId15"/>
+    <p:sldId id="269" r:id="rId16"/>
+    <p:sldId id="270" r:id="rId17"/>
   </p:sldIdLst>
   <p:sldSz cx="12192000" cy="6858000"/>
   <p:notesSz cx="7010400" cy="9296400"/>
@@ -133,6 +134,7 @@
         <p14:section name="What is?" id="{ECA89069-4139-7846-A853-014A89689BA2}">
           <p14:sldIdLst>
             <p14:sldId id="258"/>
+            <p14:sldId id="271"/>
             <p14:sldId id="259"/>
             <p14:sldId id="260"/>
             <p14:sldId id="261"/>
@@ -553,21 +555,6 @@
           <a:bodyPr/>
           <a:lstStyle/>
           <a:p>
-            <a:r>
-              <a:rPr lang="en-US" dirty="0"/>
-              <a:t>Test Seems good!</a:t>
-            </a:r>
-          </a:p>
-          <a:p>
-            <a:endParaRPr lang="en-US" dirty="0"/>
-          </a:p>
-          <a:p>
-            <a:r>
-              <a:rPr lang="en-US" dirty="0"/>
-              <a:t>This week and next will be in person. After that, online for regression.</a:t>
-            </a:r>
-          </a:p>
-          <a:p>
             <a:endParaRPr lang="en-US" dirty="0"/>
           </a:p>
           <a:p>
@@ -685,7 +672,7 @@
     </p:spTree>
     <p:extLst>
       <p:ext uri="{BB962C8B-B14F-4D97-AF65-F5344CB8AC3E}">
-        <p14:creationId xmlns:p14="http://schemas.microsoft.com/office/powerpoint/2010/main" val="1191494284"/>
+        <p14:creationId xmlns:p14="http://schemas.microsoft.com/office/powerpoint/2010/main" val="160230051"/>
       </p:ext>
     </p:extLst>
   </p:cSld>
@@ -769,7 +756,7 @@
     </p:spTree>
     <p:extLst>
       <p:ext uri="{BB962C8B-B14F-4D97-AF65-F5344CB8AC3E}">
-        <p14:creationId xmlns:p14="http://schemas.microsoft.com/office/powerpoint/2010/main" val="2638709468"/>
+        <p14:creationId xmlns:p14="http://schemas.microsoft.com/office/powerpoint/2010/main" val="1191494284"/>
       </p:ext>
     </p:extLst>
   </p:cSld>
@@ -853,7 +840,7 @@
     </p:spTree>
     <p:extLst>
       <p:ext uri="{BB962C8B-B14F-4D97-AF65-F5344CB8AC3E}">
-        <p14:creationId xmlns:p14="http://schemas.microsoft.com/office/powerpoint/2010/main" val="3952551421"/>
+        <p14:creationId xmlns:p14="http://schemas.microsoft.com/office/powerpoint/2010/main" val="2638709468"/>
       </p:ext>
     </p:extLst>
   </p:cSld>
@@ -937,7 +924,7 @@
     </p:spTree>
     <p:extLst>
       <p:ext uri="{BB962C8B-B14F-4D97-AF65-F5344CB8AC3E}">
-        <p14:creationId xmlns:p14="http://schemas.microsoft.com/office/powerpoint/2010/main" val="496947471"/>
+        <p14:creationId xmlns:p14="http://schemas.microsoft.com/office/powerpoint/2010/main" val="3952551421"/>
       </p:ext>
     </p:extLst>
   </p:cSld>
@@ -1021,7 +1008,7 @@
     </p:spTree>
     <p:extLst>
       <p:ext uri="{BB962C8B-B14F-4D97-AF65-F5344CB8AC3E}">
-        <p14:creationId xmlns:p14="http://schemas.microsoft.com/office/powerpoint/2010/main" val="3966597898"/>
+        <p14:creationId xmlns:p14="http://schemas.microsoft.com/office/powerpoint/2010/main" val="496947471"/>
       </p:ext>
     </p:extLst>
   </p:cSld>
@@ -1075,6 +1062,90 @@
           <a:bodyPr/>
           <a:lstStyle/>
           <a:p>
+            <a:endParaRPr lang="en-US" dirty="0"/>
+          </a:p>
+        </p:txBody>
+      </p:sp>
+      <p:sp>
+        <p:nvSpPr>
+          <p:cNvPr id="4" name="Slide Number Placeholder 3"/>
+          <p:cNvSpPr>
+            <a:spLocks noGrp="1"/>
+          </p:cNvSpPr>
+          <p:nvPr>
+            <p:ph type="sldNum" sz="quarter" idx="5"/>
+          </p:nvPr>
+        </p:nvSpPr>
+        <p:spPr/>
+        <p:txBody>
+          <a:bodyPr/>
+          <a:lstStyle/>
+          <a:p>
+            <a:fld id="{55A6E323-646E-FA49-8677-B1E54F99E611}" type="slidenum">
+              <a:rPr lang="en-US" smtClean="0"/>
+              <a:t>15</a:t>
+            </a:fld>
+            <a:endParaRPr lang="en-US"/>
+          </a:p>
+        </p:txBody>
+      </p:sp>
+    </p:spTree>
+    <p:extLst>
+      <p:ext uri="{BB962C8B-B14F-4D97-AF65-F5344CB8AC3E}">
+        <p14:creationId xmlns:p14="http://schemas.microsoft.com/office/powerpoint/2010/main" val="3966597898"/>
+      </p:ext>
+    </p:extLst>
+  </p:cSld>
+  <p:clrMapOvr>
+    <a:masterClrMapping/>
+  </p:clrMapOvr>
+</p:notes>
+</file>
+
+<file path=ppt/notesSlides/notesSlide16.xml><?xml version="1.0" encoding="utf-8"?>
+<p:notes xmlns:a="http://schemas.openxmlformats.org/drawingml/2006/main" xmlns:r="http://schemas.openxmlformats.org/officeDocument/2006/relationships" xmlns:p="http://schemas.openxmlformats.org/presentationml/2006/main">
+  <p:cSld>
+    <p:spTree>
+      <p:nvGrpSpPr>
+        <p:cNvPr id="1" name=""/>
+        <p:cNvGrpSpPr/>
+        <p:nvPr/>
+      </p:nvGrpSpPr>
+      <p:grpSpPr>
+        <a:xfrm>
+          <a:off x="0" y="0"/>
+          <a:ext cx="0" cy="0"/>
+          <a:chOff x="0" y="0"/>
+          <a:chExt cx="0" cy="0"/>
+        </a:xfrm>
+      </p:grpSpPr>
+      <p:sp>
+        <p:nvSpPr>
+          <p:cNvPr id="2" name="Slide Image Placeholder 1"/>
+          <p:cNvSpPr>
+            <a:spLocks noGrp="1" noRot="1" noChangeAspect="1"/>
+          </p:cNvSpPr>
+          <p:nvPr>
+            <p:ph type="sldImg"/>
+          </p:nvPr>
+        </p:nvSpPr>
+        <p:spPr/>
+      </p:sp>
+      <p:sp>
+        <p:nvSpPr>
+          <p:cNvPr id="3" name="Notes Placeholder 2"/>
+          <p:cNvSpPr>
+            <a:spLocks noGrp="1"/>
+          </p:cNvSpPr>
+          <p:nvPr>
+            <p:ph type="body" idx="1"/>
+          </p:nvPr>
+        </p:nvSpPr>
+        <p:spPr/>
+        <p:txBody>
+          <a:bodyPr/>
+          <a:lstStyle/>
+          <a:p>
             <a:pPr algn="l">
               <a:buFont typeface="Arial" panose="020B0604020202020204" pitchFamily="34" charset="0"/>
               <a:buNone/>
@@ -1506,7 +1577,7 @@
           <a:p>
             <a:fld id="{55A6E323-646E-FA49-8677-B1E54F99E611}" type="slidenum">
               <a:rPr lang="en-US" smtClean="0"/>
-              <a:t>15</a:t>
+              <a:t>16</a:t>
             </a:fld>
             <a:endParaRPr lang="en-US"/>
           </a:p>
@@ -1569,18 +1640,7 @@
           <a:bodyPr/>
           <a:lstStyle/>
           <a:p>
-            <a:r>
-              <a:rPr lang="en-US" dirty="0"/>
-              <a:t>So I made a decision to bring Chi Squared to this </a:t>
-            </a:r>
-            <a:r>
-              <a:rPr lang="en-US" dirty="0" err="1"/>
-              <a:t>R_Stuff</a:t>
-            </a:r>
-            <a:r>
-              <a:rPr lang="en-US" dirty="0"/>
-              <a:t> exercise. As a result, we’ll spend a day on chi-square and then a day on R and guy square. At the end, you’ll have an assignment that allows you to really dig in and look around.</a:t>
-            </a:r>
+            <a:endParaRPr lang="en-US" dirty="0"/>
           </a:p>
         </p:txBody>
       </p:sp>
@@ -1664,17 +1724,6 @@
           <a:bodyPr/>
           <a:lstStyle/>
           <a:p>
-            <a:r>
-              <a:rPr lang="en-US" dirty="0"/>
-              <a:t>So what is this? What is chi-squared? Well, for the purposes of </a:t>
-            </a:r>
-            <a:r>
-              <a:rPr lang="en-US"/>
-              <a:t>this course, </a:t>
-            </a:r>
-            <a:endParaRPr lang="en-US" dirty="0"/>
-          </a:p>
-          <a:p>
             <a:endParaRPr lang="en-US" dirty="0"/>
           </a:p>
         </p:txBody>
@@ -1759,93 +1808,41 @@
           <a:bodyPr/>
           <a:lstStyle/>
           <a:p>
-            <a:pPr algn="l"/>
-            <a:r>
-              <a:rPr lang="en-US" b="0" i="0" dirty="0" err="1">
-                <a:solidFill>
-                  <a:srgbClr val="C9D1D9"/>
-                </a:solidFill>
-                <a:effectLst/>
-                <a:latin typeface="-apple-system"/>
-              </a:rPr>
-              <a:t>Descriptives</a:t>
-            </a:r>
-            <a:r>
-              <a:rPr lang="en-US" b="0" i="0" dirty="0">
-                <a:solidFill>
-                  <a:srgbClr val="C9D1D9"/>
-                </a:solidFill>
-                <a:effectLst/>
-                <a:latin typeface="-apple-system"/>
-              </a:rPr>
-              <a:t> essentially take pieces of data and refine it in such a way as to turn it into information we can use. We tend to begin with a number of measures sometimes referred to as summary stats or modes of central tendency: (mean, median, range, and standard deviation).</a:t>
-            </a:r>
-          </a:p>
-          <a:p>
-            <a:pPr algn="l"/>
-            <a:endParaRPr lang="en-US" b="0" i="0" dirty="0">
-              <a:solidFill>
-                <a:srgbClr val="C9D1D9"/>
-              </a:solidFill>
-              <a:effectLst/>
-              <a:latin typeface="-apple-system"/>
-            </a:endParaRPr>
-          </a:p>
-          <a:p>
-            <a:pPr algn="l"/>
-            <a:r>
-              <a:rPr lang="en-US" b="0" i="0" dirty="0">
-                <a:solidFill>
-                  <a:srgbClr val="C9D1D9"/>
-                </a:solidFill>
-                <a:effectLst/>
-                <a:latin typeface="-apple-system"/>
-              </a:rPr>
-              <a:t>Mean is the average, median is the middle most point, range is lowest to highest value, and standard deviation describes how much variance is within the set of data. Think of it sort of like a weather person talking about average temperatures, what the high and low will be, how today differed from yesterday but also the same day last year.</a:t>
-            </a:r>
-          </a:p>
-          <a:p>
-            <a:pPr algn="l"/>
-            <a:endParaRPr lang="en-US" b="0" i="0" dirty="0">
-              <a:solidFill>
-                <a:srgbClr val="C9D1D9"/>
-              </a:solidFill>
-              <a:effectLst/>
-              <a:latin typeface="-apple-system"/>
-            </a:endParaRPr>
-          </a:p>
-          <a:p>
-            <a:pPr algn="l"/>
-            <a:r>
-              <a:rPr lang="en-US" b="0" i="0" dirty="0">
-                <a:solidFill>
-                  <a:srgbClr val="C9D1D9"/>
-                </a:solidFill>
-                <a:effectLst/>
-                <a:latin typeface="-apple-system"/>
-              </a:rPr>
-              <a:t>While these data are useful, folks will tend to react to raw values in different ways. As such, there are also ways to show these values graphically by using things like Boxplots, histograms, pie charts, Pareto charts, and many others. One last way to think about these </a:t>
-            </a:r>
-            <a:r>
-              <a:rPr lang="en-US" b="0" i="0" dirty="0" err="1">
-                <a:solidFill>
-                  <a:srgbClr val="C9D1D9"/>
-                </a:solidFill>
-                <a:effectLst/>
-                <a:latin typeface="-apple-system"/>
-              </a:rPr>
-              <a:t>descriptives</a:t>
-            </a:r>
-            <a:r>
-              <a:rPr lang="en-US" b="0" i="0" dirty="0">
-                <a:solidFill>
-                  <a:srgbClr val="C9D1D9"/>
-                </a:solidFill>
-                <a:effectLst/>
-                <a:latin typeface="-apple-system"/>
-              </a:rPr>
-              <a:t> or summary stats is that they show us what sort of distribution we have (i.e., Poisson, binomial, normal). In the end, we cannot really make inferences from here, not actual ones anyway. We can make useful guesses as to trends, but we need more methods to take us from description to inference.</a:t>
-            </a:r>
+            <a:r>
+              <a:rPr lang="en-US" dirty="0"/>
+              <a:t>DATA refining</a:t>
+            </a:r>
+          </a:p>
+          <a:p>
+            <a:r>
+              <a:rPr lang="en-US" dirty="0"/>
+              <a:t>DATA mining</a:t>
+            </a:r>
+          </a:p>
+          <a:p>
+            <a:endParaRPr lang="en-US" dirty="0"/>
+          </a:p>
+          <a:p>
+            <a:r>
+              <a:rPr lang="en-US" dirty="0"/>
+              <a:t>We gather qualities at scale and find insights with them about a population.</a:t>
+            </a:r>
+          </a:p>
+          <a:p>
+            <a:endParaRPr lang="en-US" dirty="0"/>
+          </a:p>
+          <a:p>
+            <a:r>
+              <a:rPr lang="en-US" dirty="0"/>
+              <a:t>We can say </a:t>
+            </a:r>
+            <a:r>
+              <a:rPr lang="en-US"/>
+              <a:t>there are 3 large hats.</a:t>
+            </a:r>
+          </a:p>
+          <a:p>
+            <a:endParaRPr lang="en-US" dirty="0"/>
           </a:p>
         </p:txBody>
       </p:sp>
@@ -1875,7 +1872,7 @@
     </p:spTree>
     <p:extLst>
       <p:ext uri="{BB962C8B-B14F-4D97-AF65-F5344CB8AC3E}">
-        <p14:creationId xmlns:p14="http://schemas.microsoft.com/office/powerpoint/2010/main" val="2170542783"/>
+        <p14:creationId xmlns:p14="http://schemas.microsoft.com/office/powerpoint/2010/main" val="3329279913"/>
       </p:ext>
     </p:extLst>
   </p:cSld>
@@ -1929,18 +1926,93 @@
           <a:bodyPr/>
           <a:lstStyle/>
           <a:p>
-            <a:r>
-              <a:rPr lang="en-US" dirty="0"/>
-              <a:t>So what is this? What is chi-squared? Well, for the purposes of </a:t>
-            </a:r>
-            <a:r>
-              <a:rPr lang="en-US"/>
-              <a:t>this course, </a:t>
-            </a:r>
-            <a:endParaRPr lang="en-US" dirty="0"/>
-          </a:p>
-          <a:p>
-            <a:endParaRPr lang="en-US" dirty="0"/>
+            <a:pPr algn="l"/>
+            <a:r>
+              <a:rPr lang="en-US" b="0" i="0" dirty="0" err="1">
+                <a:solidFill>
+                  <a:srgbClr val="C9D1D9"/>
+                </a:solidFill>
+                <a:effectLst/>
+                <a:latin typeface="-apple-system"/>
+              </a:rPr>
+              <a:t>Descriptives</a:t>
+            </a:r>
+            <a:r>
+              <a:rPr lang="en-US" b="0" i="0" dirty="0">
+                <a:solidFill>
+                  <a:srgbClr val="C9D1D9"/>
+                </a:solidFill>
+                <a:effectLst/>
+                <a:latin typeface="-apple-system"/>
+              </a:rPr>
+              <a:t> essentially take pieces of data and refine it in such a way as to turn it into information we can use. We tend to begin with a number of measures sometimes referred to as summary stats or modes of central tendency: (mean, median, range, and standard deviation).</a:t>
+            </a:r>
+          </a:p>
+          <a:p>
+            <a:pPr algn="l"/>
+            <a:endParaRPr lang="en-US" b="0" i="0" dirty="0">
+              <a:solidFill>
+                <a:srgbClr val="C9D1D9"/>
+              </a:solidFill>
+              <a:effectLst/>
+              <a:latin typeface="-apple-system"/>
+            </a:endParaRPr>
+          </a:p>
+          <a:p>
+            <a:pPr algn="l"/>
+            <a:r>
+              <a:rPr lang="en-US" b="0" i="0" dirty="0">
+                <a:solidFill>
+                  <a:srgbClr val="C9D1D9"/>
+                </a:solidFill>
+                <a:effectLst/>
+                <a:latin typeface="-apple-system"/>
+              </a:rPr>
+              <a:t>Mean is the average, median is the middle most point, range is lowest to highest value, and standard deviation describes how much variance is within the set of data. Think of it sort of like a weather person talking about average temperatures, what the high and low will be, how today differed from yesterday but also the same day last year.</a:t>
+            </a:r>
+          </a:p>
+          <a:p>
+            <a:pPr algn="l"/>
+            <a:endParaRPr lang="en-US" b="0" i="0" dirty="0">
+              <a:solidFill>
+                <a:srgbClr val="C9D1D9"/>
+              </a:solidFill>
+              <a:effectLst/>
+              <a:latin typeface="-apple-system"/>
+            </a:endParaRPr>
+          </a:p>
+          <a:p>
+            <a:pPr algn="l"/>
+            <a:r>
+              <a:rPr lang="en-US" b="0" i="0" dirty="0">
+                <a:solidFill>
+                  <a:srgbClr val="C9D1D9"/>
+                </a:solidFill>
+                <a:effectLst/>
+                <a:latin typeface="-apple-system"/>
+              </a:rPr>
+              <a:t>While these data are useful, folks will tend to react to raw values in different ways. As such, there are also ways to show these values graphically by using things like Boxplots, histograms, pie charts, Pareto charts, and many others. One last way to think about these </a:t>
+            </a:r>
+            <a:r>
+              <a:rPr lang="en-US" b="0" i="0" dirty="0" err="1">
+                <a:solidFill>
+                  <a:srgbClr val="C9D1D9"/>
+                </a:solidFill>
+                <a:effectLst/>
+                <a:latin typeface="-apple-system"/>
+              </a:rPr>
+              <a:t>descriptives</a:t>
+            </a:r>
+            <a:r>
+              <a:rPr lang="en-US" b="0" i="0" dirty="0">
+                <a:solidFill>
+                  <a:srgbClr val="C9D1D9"/>
+                </a:solidFill>
+                <a:effectLst/>
+                <a:latin typeface="-apple-system"/>
+              </a:rPr>
+              <a:t> or summary stats is that they show us what sort of distribution we have (i.e., Poisson, binomial, normal). In the end, we cannot really make inferences from here, not actual ones anyway. We can make useful guesses as to trends, but we need more methods to take us from description to inference.</a:t>
+            </a:r>
           </a:p>
         </p:txBody>
       </p:sp>
@@ -1970,7 +2042,7 @@
     </p:spTree>
     <p:extLst>
       <p:ext uri="{BB962C8B-B14F-4D97-AF65-F5344CB8AC3E}">
-        <p14:creationId xmlns:p14="http://schemas.microsoft.com/office/powerpoint/2010/main" val="2614161163"/>
+        <p14:creationId xmlns:p14="http://schemas.microsoft.com/office/powerpoint/2010/main" val="2170542783"/>
       </p:ext>
     </p:extLst>
   </p:cSld>
@@ -2024,17 +2096,6 @@
           <a:bodyPr/>
           <a:lstStyle/>
           <a:p>
-            <a:r>
-              <a:rPr lang="en-US" dirty="0"/>
-              <a:t>So what is this? What is chi-squared? Well, for the purposes of </a:t>
-            </a:r>
-            <a:r>
-              <a:rPr lang="en-US"/>
-              <a:t>this course, </a:t>
-            </a:r>
-            <a:endParaRPr lang="en-US" dirty="0"/>
-          </a:p>
-          <a:p>
             <a:endParaRPr lang="en-US" dirty="0"/>
           </a:p>
         </p:txBody>
@@ -2065,7 +2126,7 @@
     </p:spTree>
     <p:extLst>
       <p:ext uri="{BB962C8B-B14F-4D97-AF65-F5344CB8AC3E}">
-        <p14:creationId xmlns:p14="http://schemas.microsoft.com/office/powerpoint/2010/main" val="2797662424"/>
+        <p14:creationId xmlns:p14="http://schemas.microsoft.com/office/powerpoint/2010/main" val="2614161163"/>
       </p:ext>
     </p:extLst>
   </p:cSld>
@@ -2119,17 +2180,6 @@
           <a:bodyPr/>
           <a:lstStyle/>
           <a:p>
-            <a:r>
-              <a:rPr lang="en-US" dirty="0"/>
-              <a:t>So what is this? What is chi-squared? Well, for the purposes of </a:t>
-            </a:r>
-            <a:r>
-              <a:rPr lang="en-US"/>
-              <a:t>this course, </a:t>
-            </a:r>
-            <a:endParaRPr lang="en-US" dirty="0"/>
-          </a:p>
-          <a:p>
             <a:endParaRPr lang="en-US" dirty="0"/>
           </a:p>
         </p:txBody>
@@ -2160,7 +2210,7 @@
     </p:spTree>
     <p:extLst>
       <p:ext uri="{BB962C8B-B14F-4D97-AF65-F5344CB8AC3E}">
-        <p14:creationId xmlns:p14="http://schemas.microsoft.com/office/powerpoint/2010/main" val="2511725906"/>
+        <p14:creationId xmlns:p14="http://schemas.microsoft.com/office/powerpoint/2010/main" val="2797662424"/>
       </p:ext>
     </p:extLst>
   </p:cSld>
@@ -2214,12 +2264,6 @@
           <a:bodyPr/>
           <a:lstStyle/>
           <a:p>
-            <a:r>
-              <a:rPr lang="en-US" dirty="0"/>
-              <a:t>So what is this? What is chi-squared? Well, for the purposes of this course, </a:t>
-            </a:r>
-          </a:p>
-          <a:p>
             <a:endParaRPr lang="en-US" dirty="0"/>
           </a:p>
         </p:txBody>
@@ -2250,7 +2294,7 @@
     </p:spTree>
     <p:extLst>
       <p:ext uri="{BB962C8B-B14F-4D97-AF65-F5344CB8AC3E}">
-        <p14:creationId xmlns:p14="http://schemas.microsoft.com/office/powerpoint/2010/main" val="1421094874"/>
+        <p14:creationId xmlns:p14="http://schemas.microsoft.com/office/powerpoint/2010/main" val="2511725906"/>
       </p:ext>
     </p:extLst>
   </p:cSld>
@@ -2304,17 +2348,6 @@
           <a:bodyPr/>
           <a:lstStyle/>
           <a:p>
-            <a:r>
-              <a:rPr lang="en-US" dirty="0"/>
-              <a:t>So what is this? What is chi-squared? Well, for the purposes of </a:t>
-            </a:r>
-            <a:r>
-              <a:rPr lang="en-US"/>
-              <a:t>this course, </a:t>
-            </a:r>
-            <a:endParaRPr lang="en-US" dirty="0"/>
-          </a:p>
-          <a:p>
             <a:endParaRPr lang="en-US" dirty="0"/>
           </a:p>
         </p:txBody>
@@ -2345,7 +2378,7 @@
     </p:spTree>
     <p:extLst>
       <p:ext uri="{BB962C8B-B14F-4D97-AF65-F5344CB8AC3E}">
-        <p14:creationId xmlns:p14="http://schemas.microsoft.com/office/powerpoint/2010/main" val="160230051"/>
+        <p14:creationId xmlns:p14="http://schemas.microsoft.com/office/powerpoint/2010/main" val="1421094874"/>
       </p:ext>
     </p:extLst>
   </p:cSld>
@@ -5665,6 +5698,116 @@
           <p:cNvPr id="6" name="Picture 5">
             <a:extLst>
               <a:ext uri="{FF2B5EF4-FFF2-40B4-BE49-F238E27FC236}">
+                <a16:creationId xmlns:a16="http://schemas.microsoft.com/office/drawing/2014/main" id="{DC5CF381-34F8-417C-D3A9-9EF18344B858}"/>
+              </a:ext>
+            </a:extLst>
+          </p:cNvPr>
+          <p:cNvPicPr>
+            <a:picLocks noChangeAspect="1"/>
+          </p:cNvPicPr>
+          <p:nvPr/>
+        </p:nvPicPr>
+        <p:blipFill>
+          <a:blip r:embed="rId3"/>
+          <a:stretch>
+            <a:fillRect/>
+          </a:stretch>
+        </p:blipFill>
+        <p:spPr>
+          <a:xfrm>
+            <a:off x="4297630" y="0"/>
+            <a:ext cx="3596739" cy="8654653"/>
+          </a:xfrm>
+          <a:prstGeom prst="rect">
+            <a:avLst/>
+          </a:prstGeom>
+        </p:spPr>
+      </p:pic>
+      <p:sp>
+        <p:nvSpPr>
+          <p:cNvPr id="7" name="TextBox 6">
+            <a:extLst>
+              <a:ext uri="{FF2B5EF4-FFF2-40B4-BE49-F238E27FC236}">
+                <a16:creationId xmlns:a16="http://schemas.microsoft.com/office/drawing/2014/main" id="{1204326F-5317-1F14-3892-80E211AB3E31}"/>
+              </a:ext>
+            </a:extLst>
+          </p:cNvPr>
+          <p:cNvSpPr txBox="1"/>
+          <p:nvPr/>
+        </p:nvSpPr>
+        <p:spPr>
+          <a:xfrm>
+            <a:off x="4749800" y="990600"/>
+            <a:ext cx="1866900" cy="769441"/>
+          </a:xfrm>
+          <a:prstGeom prst="rect">
+            <a:avLst/>
+          </a:prstGeom>
+          <a:noFill/>
+        </p:spPr>
+        <p:txBody>
+          <a:bodyPr wrap="square" rtlCol="0">
+            <a:spAutoFit/>
+          </a:bodyPr>
+          <a:lstStyle/>
+          <a:p>
+            <a:r>
+              <a:rPr lang="en-US" sz="4400" dirty="0">
+                <a:solidFill>
+                  <a:schemeClr val="bg1"/>
+                </a:solidFill>
+                <a:highlight>
+                  <a:srgbClr val="000000"/>
+                </a:highlight>
+              </a:rPr>
+              <a:t>Quality</a:t>
+            </a:r>
+          </a:p>
+        </p:txBody>
+      </p:sp>
+    </p:spTree>
+    <p:extLst>
+      <p:ext uri="{BB962C8B-B14F-4D97-AF65-F5344CB8AC3E}">
+        <p14:creationId xmlns:p14="http://schemas.microsoft.com/office/powerpoint/2010/main" val="1422191871"/>
+      </p:ext>
+    </p:extLst>
+  </p:cSld>
+  <p:clrMapOvr>
+    <a:masterClrMapping/>
+  </p:clrMapOvr>
+</p:sld>
+</file>
+
+<file path=ppt/slides/slide11.xml><?xml version="1.0" encoding="utf-8"?>
+<p:sld xmlns:a="http://schemas.openxmlformats.org/drawingml/2006/main" xmlns:r="http://schemas.openxmlformats.org/officeDocument/2006/relationships" xmlns:p="http://schemas.openxmlformats.org/presentationml/2006/main">
+  <p:cSld>
+    <p:bg>
+      <p:bgPr>
+        <a:solidFill>
+          <a:schemeClr val="tx1"/>
+        </a:solidFill>
+        <a:effectLst/>
+      </p:bgPr>
+    </p:bg>
+    <p:spTree>
+      <p:nvGrpSpPr>
+        <p:cNvPr id="1" name=""/>
+        <p:cNvGrpSpPr/>
+        <p:nvPr/>
+      </p:nvGrpSpPr>
+      <p:grpSpPr>
+        <a:xfrm>
+          <a:off x="0" y="0"/>
+          <a:ext cx="0" cy="0"/>
+          <a:chOff x="0" y="0"/>
+          <a:chExt cx="0" cy="0"/>
+        </a:xfrm>
+      </p:grpSpPr>
+      <p:pic>
+        <p:nvPicPr>
+          <p:cNvPr id="6" name="Picture 5">
+            <a:extLst>
+              <a:ext uri="{FF2B5EF4-FFF2-40B4-BE49-F238E27FC236}">
                 <a16:creationId xmlns:a16="http://schemas.microsoft.com/office/drawing/2014/main" id="{11317788-7CA9-4274-CEBC-D477EA9A0B62}"/>
               </a:ext>
             </a:extLst>
@@ -5703,84 +5846,6 @@
 </p:sld>
 </file>
 
-<file path=ppt/slides/slide11.xml><?xml version="1.0" encoding="utf-8"?>
-<p:sld xmlns:a="http://schemas.openxmlformats.org/drawingml/2006/main" xmlns:r="http://schemas.openxmlformats.org/officeDocument/2006/relationships" xmlns:p="http://schemas.openxmlformats.org/presentationml/2006/main">
-  <p:cSld>
-    <p:bg>
-      <p:bgPr>
-        <a:solidFill>
-          <a:schemeClr val="tx1"/>
-        </a:solidFill>
-        <a:effectLst/>
-      </p:bgPr>
-    </p:bg>
-    <p:spTree>
-      <p:nvGrpSpPr>
-        <p:cNvPr id="1" name=""/>
-        <p:cNvGrpSpPr/>
-        <p:nvPr/>
-      </p:nvGrpSpPr>
-      <p:grpSpPr>
-        <a:xfrm>
-          <a:off x="0" y="0"/>
-          <a:ext cx="0" cy="0"/>
-          <a:chOff x="0" y="0"/>
-          <a:chExt cx="0" cy="0"/>
-        </a:xfrm>
-      </p:grpSpPr>
-      <p:sp>
-        <p:nvSpPr>
-          <p:cNvPr id="2" name="Title 1">
-            <a:extLst>
-              <a:ext uri="{FF2B5EF4-FFF2-40B4-BE49-F238E27FC236}">
-                <a16:creationId xmlns:a16="http://schemas.microsoft.com/office/drawing/2014/main" id="{63F4463D-24D6-E732-8224-F8631DB51BAD}"/>
-              </a:ext>
-            </a:extLst>
-          </p:cNvPr>
-          <p:cNvSpPr>
-            <a:spLocks noGrp="1"/>
-          </p:cNvSpPr>
-          <p:nvPr>
-            <p:ph type="title"/>
-          </p:nvPr>
-        </p:nvSpPr>
-        <p:spPr>
-          <a:xfrm>
-            <a:off x="838200" y="1315548"/>
-            <a:ext cx="10515600" cy="4226904"/>
-          </a:xfrm>
-        </p:spPr>
-        <p:txBody>
-          <a:bodyPr>
-            <a:noAutofit/>
-          </a:bodyPr>
-          <a:lstStyle/>
-          <a:p>
-            <a:pPr algn="ctr"/>
-            <a:r>
-              <a:rPr lang="en-US" sz="13800" b="1" dirty="0">
-                <a:solidFill>
-                  <a:schemeClr val="bg1"/>
-                </a:solidFill>
-              </a:rPr>
-              <a:t>can we be unbiased?</a:t>
-            </a:r>
-          </a:p>
-        </p:txBody>
-      </p:sp>
-    </p:spTree>
-    <p:extLst>
-      <p:ext uri="{BB962C8B-B14F-4D97-AF65-F5344CB8AC3E}">
-        <p14:creationId xmlns:p14="http://schemas.microsoft.com/office/powerpoint/2010/main" val="118453817"/>
-      </p:ext>
-    </p:extLst>
-  </p:cSld>
-  <p:clrMapOvr>
-    <a:masterClrMapping/>
-  </p:clrMapOvr>
-</p:sld>
-</file>
-
 <file path=ppt/slides/slide12.xml><?xml version="1.0" encoding="utf-8"?>
 <p:sld xmlns:a="http://schemas.openxmlformats.org/drawingml/2006/main" xmlns:r="http://schemas.openxmlformats.org/officeDocument/2006/relationships" xmlns:p="http://schemas.openxmlformats.org/presentationml/2006/main">
   <p:cSld>
@@ -5806,40 +5871,50 @@
           <a:chExt cx="0" cy="0"/>
         </a:xfrm>
       </p:grpSpPr>
-      <p:pic>
-        <p:nvPicPr>
-          <p:cNvPr id="6" name="Picture 5">
-            <a:extLst>
-              <a:ext uri="{FF2B5EF4-FFF2-40B4-BE49-F238E27FC236}">
-                <a16:creationId xmlns:a16="http://schemas.microsoft.com/office/drawing/2014/main" id="{EDCC21C7-AE87-CDF8-0A5D-74140AFFC843}"/>
-              </a:ext>
-            </a:extLst>
-          </p:cNvPr>
-          <p:cNvPicPr>
-            <a:picLocks noChangeAspect="1"/>
-          </p:cNvPicPr>
-          <p:nvPr/>
-        </p:nvPicPr>
-        <p:blipFill>
-          <a:blip r:embed="rId3"/>
-          <a:stretch>
-            <a:fillRect/>
-          </a:stretch>
-        </p:blipFill>
+      <p:sp>
+        <p:nvSpPr>
+          <p:cNvPr id="2" name="Title 1">
+            <a:extLst>
+              <a:ext uri="{FF2B5EF4-FFF2-40B4-BE49-F238E27FC236}">
+                <a16:creationId xmlns:a16="http://schemas.microsoft.com/office/drawing/2014/main" id="{63F4463D-24D6-E732-8224-F8631DB51BAD}"/>
+              </a:ext>
+            </a:extLst>
+          </p:cNvPr>
+          <p:cNvSpPr>
+            <a:spLocks noGrp="1"/>
+          </p:cNvSpPr>
+          <p:nvPr>
+            <p:ph type="title"/>
+          </p:nvPr>
+        </p:nvSpPr>
         <p:spPr>
           <a:xfrm>
-            <a:off x="4689929" y="0"/>
-            <a:ext cx="2812142" cy="6858000"/>
+            <a:off x="838200" y="1315548"/>
+            <a:ext cx="10515600" cy="4226904"/>
           </a:xfrm>
-          <a:prstGeom prst="rect">
-            <a:avLst/>
-          </a:prstGeom>
         </p:spPr>
-      </p:pic>
+        <p:txBody>
+          <a:bodyPr>
+            <a:noAutofit/>
+          </a:bodyPr>
+          <a:lstStyle/>
+          <a:p>
+            <a:pPr algn="ctr"/>
+            <a:r>
+              <a:rPr lang="en-US" sz="13800" b="1" dirty="0">
+                <a:solidFill>
+                  <a:schemeClr val="bg1"/>
+                </a:solidFill>
+              </a:rPr>
+              <a:t>can we be unbiased?</a:t>
+            </a:r>
+          </a:p>
+        </p:txBody>
+      </p:sp>
     </p:spTree>
     <p:extLst>
       <p:ext uri="{BB962C8B-B14F-4D97-AF65-F5344CB8AC3E}">
-        <p14:creationId xmlns:p14="http://schemas.microsoft.com/office/powerpoint/2010/main" val="1090153580"/>
+        <p14:creationId xmlns:p14="http://schemas.microsoft.com/office/powerpoint/2010/main" val="118453817"/>
       </p:ext>
     </p:extLst>
   </p:cSld>
@@ -5876,6 +5951,74 @@
       </p:grpSpPr>
       <p:pic>
         <p:nvPicPr>
+          <p:cNvPr id="6" name="Picture 5">
+            <a:extLst>
+              <a:ext uri="{FF2B5EF4-FFF2-40B4-BE49-F238E27FC236}">
+                <a16:creationId xmlns:a16="http://schemas.microsoft.com/office/drawing/2014/main" id="{EDCC21C7-AE87-CDF8-0A5D-74140AFFC843}"/>
+              </a:ext>
+            </a:extLst>
+          </p:cNvPr>
+          <p:cNvPicPr>
+            <a:picLocks noChangeAspect="1"/>
+          </p:cNvPicPr>
+          <p:nvPr/>
+        </p:nvPicPr>
+        <p:blipFill>
+          <a:blip r:embed="rId3"/>
+          <a:stretch>
+            <a:fillRect/>
+          </a:stretch>
+        </p:blipFill>
+        <p:spPr>
+          <a:xfrm>
+            <a:off x="4689929" y="0"/>
+            <a:ext cx="2812142" cy="6858000"/>
+          </a:xfrm>
+          <a:prstGeom prst="rect">
+            <a:avLst/>
+          </a:prstGeom>
+        </p:spPr>
+      </p:pic>
+    </p:spTree>
+    <p:extLst>
+      <p:ext uri="{BB962C8B-B14F-4D97-AF65-F5344CB8AC3E}">
+        <p14:creationId xmlns:p14="http://schemas.microsoft.com/office/powerpoint/2010/main" val="1090153580"/>
+      </p:ext>
+    </p:extLst>
+  </p:cSld>
+  <p:clrMapOvr>
+    <a:masterClrMapping/>
+  </p:clrMapOvr>
+</p:sld>
+</file>
+
+<file path=ppt/slides/slide14.xml><?xml version="1.0" encoding="utf-8"?>
+<p:sld xmlns:a="http://schemas.openxmlformats.org/drawingml/2006/main" xmlns:r="http://schemas.openxmlformats.org/officeDocument/2006/relationships" xmlns:p="http://schemas.openxmlformats.org/presentationml/2006/main">
+  <p:cSld>
+    <p:bg>
+      <p:bgPr>
+        <a:solidFill>
+          <a:schemeClr val="tx1"/>
+        </a:solidFill>
+        <a:effectLst/>
+      </p:bgPr>
+    </p:bg>
+    <p:spTree>
+      <p:nvGrpSpPr>
+        <p:cNvPr id="1" name=""/>
+        <p:cNvGrpSpPr/>
+        <p:nvPr/>
+      </p:nvGrpSpPr>
+      <p:grpSpPr>
+        <a:xfrm>
+          <a:off x="0" y="0"/>
+          <a:ext cx="0" cy="0"/>
+          <a:chOff x="0" y="0"/>
+          <a:chExt cx="0" cy="0"/>
+        </a:xfrm>
+      </p:grpSpPr>
+      <p:pic>
+        <p:nvPicPr>
           <p:cNvPr id="3" name="Picture 2">
             <a:extLst>
               <a:ext uri="{FF2B5EF4-FFF2-40B4-BE49-F238E27FC236}">
@@ -5917,7 +6060,7 @@
 </p:sld>
 </file>
 
-<file path=ppt/slides/slide14.xml><?xml version="1.0" encoding="utf-8"?>
+<file path=ppt/slides/slide15.xml><?xml version="1.0" encoding="utf-8"?>
 <p:sld xmlns:a="http://schemas.openxmlformats.org/drawingml/2006/main" xmlns:r="http://schemas.openxmlformats.org/officeDocument/2006/relationships" xmlns:p="http://schemas.openxmlformats.org/presentationml/2006/main">
   <p:cSld>
     <p:bg>
@@ -5995,7 +6138,7 @@
 </p:sld>
 </file>
 
-<file path=ppt/slides/slide15.xml><?xml version="1.0" encoding="utf-8"?>
+<file path=ppt/slides/slide16.xml><?xml version="1.0" encoding="utf-8"?>
 <p:sld xmlns:a="http://schemas.openxmlformats.org/drawingml/2006/main" xmlns:r="http://schemas.openxmlformats.org/officeDocument/2006/relationships" xmlns:p="http://schemas.openxmlformats.org/presentationml/2006/main">
   <p:cSld>
     <p:bg>
@@ -6300,50 +6443,57 @@
           <a:chExt cx="0" cy="0"/>
         </a:xfrm>
       </p:grpSpPr>
-      <p:sp>
-        <p:nvSpPr>
-          <p:cNvPr id="2" name="Title 1">
-            <a:extLst>
-              <a:ext uri="{FF2B5EF4-FFF2-40B4-BE49-F238E27FC236}">
-                <a16:creationId xmlns:a16="http://schemas.microsoft.com/office/drawing/2014/main" id="{63F4463D-24D6-E732-8224-F8631DB51BAD}"/>
-              </a:ext>
-            </a:extLst>
-          </p:cNvPr>
-          <p:cNvSpPr>
-            <a:spLocks noGrp="1"/>
-          </p:cNvSpPr>
-          <p:nvPr>
-            <p:ph type="title"/>
-          </p:nvPr>
-        </p:nvSpPr>
-        <p:spPr>
+      <p:pic>
+        <p:nvPicPr>
+          <p:cNvPr id="1026" name="Picture 2">
+            <a:extLst>
+              <a:ext uri="{FF2B5EF4-FFF2-40B4-BE49-F238E27FC236}">
+                <a16:creationId xmlns:a16="http://schemas.microsoft.com/office/drawing/2014/main" id="{75105C17-416B-D6BA-DCDB-75A98E429F9C}"/>
+              </a:ext>
+            </a:extLst>
+          </p:cNvPr>
+          <p:cNvPicPr>
+            <a:picLocks noChangeAspect="1" noChangeArrowheads="1"/>
+          </p:cNvPicPr>
+          <p:nvPr/>
+        </p:nvPicPr>
+        <p:blipFill>
+          <a:blip r:embed="rId3">
+            <a:extLst>
+              <a:ext uri="{28A0092B-C50C-407E-A947-70E740481C1C}">
+                <a14:useLocalDpi xmlns:a14="http://schemas.microsoft.com/office/drawing/2010/main" val="0"/>
+              </a:ext>
+            </a:extLst>
+          </a:blip>
+          <a:srcRect/>
+          <a:stretch>
+            <a:fillRect/>
+          </a:stretch>
+        </p:blipFill>
+        <p:spPr bwMode="auto">
           <a:xfrm>
-            <a:off x="838200" y="1315548"/>
-            <a:ext cx="10515600" cy="4226904"/>
+            <a:off x="0" y="0"/>
+            <a:ext cx="12192000" cy="6858000"/>
           </a:xfrm>
+          <a:prstGeom prst="rect">
+            <a:avLst/>
+          </a:prstGeom>
+          <a:noFill/>
+          <a:extLst>
+            <a:ext uri="{909E8E84-426E-40DD-AFC4-6F175D3DCCD1}">
+              <a14:hiddenFill xmlns:a14="http://schemas.microsoft.com/office/drawing/2010/main">
+                <a:solidFill>
+                  <a:srgbClr val="FFFFFF"/>
+                </a:solidFill>
+              </a14:hiddenFill>
+            </a:ext>
+          </a:extLst>
         </p:spPr>
-        <p:txBody>
-          <a:bodyPr>
-            <a:noAutofit/>
-          </a:bodyPr>
-          <a:lstStyle/>
-          <a:p>
-            <a:pPr algn="ctr"/>
-            <a:r>
-              <a:rPr lang="en-US" sz="13800" b="1" dirty="0">
-                <a:solidFill>
-                  <a:schemeClr val="bg1"/>
-                </a:solidFill>
-              </a:rPr>
-              <a:t>describe</a:t>
-            </a:r>
-          </a:p>
-        </p:txBody>
-      </p:sp>
+      </p:pic>
     </p:spTree>
     <p:extLst>
       <p:ext uri="{BB962C8B-B14F-4D97-AF65-F5344CB8AC3E}">
-        <p14:creationId xmlns:p14="http://schemas.microsoft.com/office/powerpoint/2010/main" val="192138616"/>
+        <p14:creationId xmlns:p14="http://schemas.microsoft.com/office/powerpoint/2010/main" val="4082982903"/>
       </p:ext>
     </p:extLst>
   </p:cSld>
@@ -6413,7 +6563,7 @@
                   <a:schemeClr val="bg1"/>
                 </a:solidFill>
               </a:rPr>
-              <a:t>compare</a:t>
+              <a:t>describe</a:t>
             </a:r>
           </a:p>
         </p:txBody>
@@ -6421,7 +6571,7 @@
     </p:spTree>
     <p:extLst>
       <p:ext uri="{BB962C8B-B14F-4D97-AF65-F5344CB8AC3E}">
-        <p14:creationId xmlns:p14="http://schemas.microsoft.com/office/powerpoint/2010/main" val="419123850"/>
+        <p14:creationId xmlns:p14="http://schemas.microsoft.com/office/powerpoint/2010/main" val="192138616"/>
       </p:ext>
     </p:extLst>
   </p:cSld>
@@ -6491,7 +6641,7 @@
                   <a:schemeClr val="bg1"/>
                 </a:solidFill>
               </a:rPr>
-              <a:t>relate</a:t>
+              <a:t>compare</a:t>
             </a:r>
           </a:p>
         </p:txBody>
@@ -6499,7 +6649,7 @@
     </p:spTree>
     <p:extLst>
       <p:ext uri="{BB962C8B-B14F-4D97-AF65-F5344CB8AC3E}">
-        <p14:creationId xmlns:p14="http://schemas.microsoft.com/office/powerpoint/2010/main" val="2899635553"/>
+        <p14:creationId xmlns:p14="http://schemas.microsoft.com/office/powerpoint/2010/main" val="419123850"/>
       </p:ext>
     </p:extLst>
   </p:cSld>
@@ -6569,7 +6719,7 @@
                   <a:schemeClr val="bg1"/>
                 </a:solidFill>
               </a:rPr>
-              <a:t>how does it work?</a:t>
+              <a:t>relate</a:t>
             </a:r>
           </a:p>
         </p:txBody>
@@ -6577,7 +6727,7 @@
     </p:spTree>
     <p:extLst>
       <p:ext uri="{BB962C8B-B14F-4D97-AF65-F5344CB8AC3E}">
-        <p14:creationId xmlns:p14="http://schemas.microsoft.com/office/powerpoint/2010/main" val="3658283323"/>
+        <p14:creationId xmlns:p14="http://schemas.microsoft.com/office/powerpoint/2010/main" val="2899635553"/>
       </p:ext>
     </p:extLst>
   </p:cSld>
@@ -6612,40 +6762,50 @@
           <a:chExt cx="0" cy="0"/>
         </a:xfrm>
       </p:grpSpPr>
-      <p:pic>
-        <p:nvPicPr>
-          <p:cNvPr id="6" name="Picture 5">
-            <a:extLst>
-              <a:ext uri="{FF2B5EF4-FFF2-40B4-BE49-F238E27FC236}">
-                <a16:creationId xmlns:a16="http://schemas.microsoft.com/office/drawing/2014/main" id="{1FDEA156-C830-67E4-F903-6C38132C6BAB}"/>
-              </a:ext>
-            </a:extLst>
-          </p:cNvPr>
-          <p:cNvPicPr>
-            <a:picLocks noChangeAspect="1"/>
-          </p:cNvPicPr>
-          <p:nvPr/>
-        </p:nvPicPr>
-        <p:blipFill>
-          <a:blip r:embed="rId3"/>
-          <a:stretch>
-            <a:fillRect/>
-          </a:stretch>
-        </p:blipFill>
+      <p:sp>
+        <p:nvSpPr>
+          <p:cNvPr id="2" name="Title 1">
+            <a:extLst>
+              <a:ext uri="{FF2B5EF4-FFF2-40B4-BE49-F238E27FC236}">
+                <a16:creationId xmlns:a16="http://schemas.microsoft.com/office/drawing/2014/main" id="{63F4463D-24D6-E732-8224-F8631DB51BAD}"/>
+              </a:ext>
+            </a:extLst>
+          </p:cNvPr>
+          <p:cNvSpPr>
+            <a:spLocks noGrp="1"/>
+          </p:cNvSpPr>
+          <p:nvPr>
+            <p:ph type="title"/>
+          </p:nvPr>
+        </p:nvSpPr>
         <p:spPr>
           <a:xfrm>
-            <a:off x="4286349" y="0"/>
-            <a:ext cx="3619301" cy="8806195"/>
+            <a:off x="838200" y="1315548"/>
+            <a:ext cx="10515600" cy="4226904"/>
           </a:xfrm>
-          <a:prstGeom prst="rect">
-            <a:avLst/>
-          </a:prstGeom>
         </p:spPr>
-      </p:pic>
+        <p:txBody>
+          <a:bodyPr>
+            <a:noAutofit/>
+          </a:bodyPr>
+          <a:lstStyle/>
+          <a:p>
+            <a:pPr algn="ctr"/>
+            <a:r>
+              <a:rPr lang="en-US" sz="13800" b="1" dirty="0">
+                <a:solidFill>
+                  <a:schemeClr val="bg1"/>
+                </a:solidFill>
+              </a:rPr>
+              <a:t>how does it work?</a:t>
+            </a:r>
+          </a:p>
+        </p:txBody>
+      </p:sp>
     </p:spTree>
     <p:extLst>
       <p:ext uri="{BB962C8B-B14F-4D97-AF65-F5344CB8AC3E}">
-        <p14:creationId xmlns:p14="http://schemas.microsoft.com/office/powerpoint/2010/main" val="2431794524"/>
+        <p14:creationId xmlns:p14="http://schemas.microsoft.com/office/powerpoint/2010/main" val="3658283323"/>
       </p:ext>
     </p:extLst>
   </p:cSld>
@@ -6685,7 +6845,7 @@
           <p:cNvPr id="6" name="Picture 5">
             <a:extLst>
               <a:ext uri="{FF2B5EF4-FFF2-40B4-BE49-F238E27FC236}">
-                <a16:creationId xmlns:a16="http://schemas.microsoft.com/office/drawing/2014/main" id="{DC5CF381-34F8-417C-D3A9-9EF18344B858}"/>
+                <a16:creationId xmlns:a16="http://schemas.microsoft.com/office/drawing/2014/main" id="{1FDEA156-C830-67E4-F903-6C38132C6BAB}"/>
               </a:ext>
             </a:extLst>
           </p:cNvPr>
@@ -6702,60 +6862,18 @@
         </p:blipFill>
         <p:spPr>
           <a:xfrm>
-            <a:off x="4297630" y="0"/>
-            <a:ext cx="3596739" cy="8654653"/>
+            <a:off x="4286349" y="0"/>
+            <a:ext cx="3619301" cy="8806195"/>
           </a:xfrm>
           <a:prstGeom prst="rect">
             <a:avLst/>
           </a:prstGeom>
         </p:spPr>
       </p:pic>
-      <p:sp>
-        <p:nvSpPr>
-          <p:cNvPr id="7" name="TextBox 6">
-            <a:extLst>
-              <a:ext uri="{FF2B5EF4-FFF2-40B4-BE49-F238E27FC236}">
-                <a16:creationId xmlns:a16="http://schemas.microsoft.com/office/drawing/2014/main" id="{1204326F-5317-1F14-3892-80E211AB3E31}"/>
-              </a:ext>
-            </a:extLst>
-          </p:cNvPr>
-          <p:cNvSpPr txBox="1"/>
-          <p:nvPr/>
-        </p:nvSpPr>
-        <p:spPr>
-          <a:xfrm>
-            <a:off x="4749800" y="990600"/>
-            <a:ext cx="1866900" cy="769441"/>
-          </a:xfrm>
-          <a:prstGeom prst="rect">
-            <a:avLst/>
-          </a:prstGeom>
-          <a:noFill/>
-        </p:spPr>
-        <p:txBody>
-          <a:bodyPr wrap="square" rtlCol="0">
-            <a:spAutoFit/>
-          </a:bodyPr>
-          <a:lstStyle/>
-          <a:p>
-            <a:r>
-              <a:rPr lang="en-US" sz="4400" dirty="0">
-                <a:solidFill>
-                  <a:schemeClr val="bg1"/>
-                </a:solidFill>
-                <a:highlight>
-                  <a:srgbClr val="000000"/>
-                </a:highlight>
-              </a:rPr>
-              <a:t>Quality</a:t>
-            </a:r>
-          </a:p>
-        </p:txBody>
-      </p:sp>
     </p:spTree>
     <p:extLst>
       <p:ext uri="{BB962C8B-B14F-4D97-AF65-F5344CB8AC3E}">
-        <p14:creationId xmlns:p14="http://schemas.microsoft.com/office/powerpoint/2010/main" val="1422191871"/>
+        <p14:creationId xmlns:p14="http://schemas.microsoft.com/office/powerpoint/2010/main" val="2431794524"/>
       </p:ext>
     </p:extLst>
   </p:cSld>
